--- a/WIP non parametric statistics.pptx
+++ b/WIP non parametric statistics.pptx
@@ -5675,7 +5675,7 @@
           <a:p>
             <a:fld id="{05ED794B-3E03-3547-B82D-68355FCAAB59}" type="datetimeFigureOut">
               <a:rPr lang="it-IT" smtClean="0"/>
-              <a:t>26/04/2022</a:t>
+              <a:t>26/04/22</a:t>
             </a:fld>
             <a:endParaRPr lang="it-IT"/>
           </a:p>
@@ -5875,7 +5875,7 @@
           <a:p>
             <a:fld id="{05ED794B-3E03-3547-B82D-68355FCAAB59}" type="datetimeFigureOut">
               <a:rPr lang="it-IT" smtClean="0"/>
-              <a:t>26/04/2022</a:t>
+              <a:t>26/04/22</a:t>
             </a:fld>
             <a:endParaRPr lang="it-IT"/>
           </a:p>
@@ -6085,7 +6085,7 @@
           <a:p>
             <a:fld id="{05ED794B-3E03-3547-B82D-68355FCAAB59}" type="datetimeFigureOut">
               <a:rPr lang="it-IT" smtClean="0"/>
-              <a:t>26/04/2022</a:t>
+              <a:t>26/04/22</a:t>
             </a:fld>
             <a:endParaRPr lang="it-IT"/>
           </a:p>
@@ -10153,7 +10153,7 @@
           <a:p>
             <a:fld id="{05ED794B-3E03-3547-B82D-68355FCAAB59}" type="datetimeFigureOut">
               <a:rPr lang="it-IT" smtClean="0"/>
-              <a:t>26/04/2022</a:t>
+              <a:t>26/04/22</a:t>
             </a:fld>
             <a:endParaRPr lang="it-IT"/>
           </a:p>
@@ -12990,7 +12990,7 @@
           <a:p>
             <a:fld id="{05ED794B-3E03-3547-B82D-68355FCAAB59}" type="datetimeFigureOut">
               <a:rPr lang="it-IT" smtClean="0"/>
-              <a:t>26/04/2022</a:t>
+              <a:t>26/04/22</a:t>
             </a:fld>
             <a:endParaRPr lang="it-IT"/>
           </a:p>
@@ -17436,7 +17436,7 @@
           <a:p>
             <a:fld id="{05ED794B-3E03-3547-B82D-68355FCAAB59}" type="datetimeFigureOut">
               <a:rPr lang="it-IT" smtClean="0"/>
-              <a:t>26/04/2022</a:t>
+              <a:t>26/04/22</a:t>
             </a:fld>
             <a:endParaRPr lang="it-IT"/>
           </a:p>
@@ -17817,7 +17817,7 @@
           <a:p>
             <a:fld id="{05ED794B-3E03-3547-B82D-68355FCAAB59}" type="datetimeFigureOut">
               <a:rPr lang="it-IT" smtClean="0"/>
-              <a:t>26/04/2022</a:t>
+              <a:t>26/04/22</a:t>
             </a:fld>
             <a:endParaRPr lang="it-IT"/>
           </a:p>
@@ -17988,7 +17988,7 @@
           <a:p>
             <a:fld id="{05ED794B-3E03-3547-B82D-68355FCAAB59}" type="datetimeFigureOut">
               <a:rPr lang="it-IT" smtClean="0"/>
-              <a:t>26/04/2022</a:t>
+              <a:t>26/04/22</a:t>
             </a:fld>
             <a:endParaRPr lang="it-IT"/>
           </a:p>
@@ -18101,7 +18101,7 @@
           <a:p>
             <a:fld id="{05ED794B-3E03-3547-B82D-68355FCAAB59}" type="datetimeFigureOut">
               <a:rPr lang="it-IT" smtClean="0"/>
-              <a:t>26/04/2022</a:t>
+              <a:t>26/04/22</a:t>
             </a:fld>
             <a:endParaRPr lang="it-IT"/>
           </a:p>
@@ -18419,7 +18419,7 @@
           <a:p>
             <a:fld id="{05ED794B-3E03-3547-B82D-68355FCAAB59}" type="datetimeFigureOut">
               <a:rPr lang="it-IT" smtClean="0"/>
-              <a:t>26/04/2022</a:t>
+              <a:t>26/04/22</a:t>
             </a:fld>
             <a:endParaRPr lang="it-IT"/>
           </a:p>
@@ -18712,7 +18712,7 @@
           <a:p>
             <a:fld id="{05ED794B-3E03-3547-B82D-68355FCAAB59}" type="datetimeFigureOut">
               <a:rPr lang="it-IT" smtClean="0"/>
-              <a:t>26/04/2022</a:t>
+              <a:t>26/04/22</a:t>
             </a:fld>
             <a:endParaRPr lang="it-IT"/>
           </a:p>
@@ -19081,7 +19081,7 @@
           <a:p>
             <a:fld id="{05ED794B-3E03-3547-B82D-68355FCAAB59}" type="datetimeFigureOut">
               <a:rPr lang="it-IT" smtClean="0"/>
-              <a:t>26/04/2022</a:t>
+              <a:t>26/04/22</a:t>
             </a:fld>
             <a:endParaRPr lang="it-IT"/>
           </a:p>
@@ -29534,7 +29534,7 @@
             </a:pPr>
             <a:r>
               <a:rPr lang="en-US" dirty="0"/>
-              <a:t>Can we </a:t>
+              <a:t>How can we </a:t>
             </a:r>
             <a:r>
               <a:rPr lang="en-US" b="1" dirty="0"/>
